--- a/De‑identifcation of Structured EHR Using Machine Learning.pptx
+++ b/De‑identifcation of Structured EHR Using Machine Learning.pptx
@@ -3530,8 +3530,8 @@
     <dgm:cxn modelId="{9058640C-BE4A-4DFC-9B27-66CD34582F20}" type="presOf" srcId="{E8AA8411-EB80-4A75-AE9F-E4EA5E7AFC62}" destId="{8FF3324D-3F0E-45FB-A295-4BBE7884771B}" srcOrd="0" destOrd="0" presId="urn:microsoft.com/office/officeart/2005/8/layout/vProcess5"/>
     <dgm:cxn modelId="{B3F3F42F-9F15-430A-B116-A063D3F960F0}" srcId="{402010F1-D30C-4DCD-A68D-75D7C518A980}" destId="{FD3706A6-C8BD-4E30-AAD3-D570CAE0318A}" srcOrd="4" destOrd="0" parTransId="{16A0CB28-0049-4FBD-A314-52FD3CADF0D0}" sibTransId="{33DF2231-94DF-4FCD-9612-EB8A76E70FD4}"/>
     <dgm:cxn modelId="{4670686E-F334-442E-94EB-1E1C8ECB7CB9}" type="presOf" srcId="{FD3706A6-C8BD-4E30-AAD3-D570CAE0318A}" destId="{66655AFB-E1A9-408D-8B08-0E2C53C7650F}" srcOrd="0" destOrd="0" presId="urn:microsoft.com/office/officeart/2005/8/layout/vProcess5"/>
+    <dgm:cxn modelId="{E61A1ED3-8A98-431C-89D0-1F9D0032506F}" type="presOf" srcId="{1E712CA7-0027-4C4E-B433-B3BE7DA6ADBD}" destId="{01BAFA89-C278-4195-813B-3D39AAFC3D83}" srcOrd="0" destOrd="0" presId="urn:microsoft.com/office/officeart/2005/8/layout/vProcess5"/>
     <dgm:cxn modelId="{DC73EEBF-F2A6-492A-88E9-05E470EAD54B}" type="presOf" srcId="{DBE0B479-0E1E-4D01-B863-852647C488CF}" destId="{D679D348-F9CF-4652-89EE-FB31168AA555}" srcOrd="1" destOrd="0" presId="urn:microsoft.com/office/officeart/2005/8/layout/vProcess5"/>
-    <dgm:cxn modelId="{E61A1ED3-8A98-431C-89D0-1F9D0032506F}" type="presOf" srcId="{1E712CA7-0027-4C4E-B433-B3BE7DA6ADBD}" destId="{01BAFA89-C278-4195-813B-3D39AAFC3D83}" srcOrd="0" destOrd="0" presId="urn:microsoft.com/office/officeart/2005/8/layout/vProcess5"/>
     <dgm:cxn modelId="{11CEAC5F-6262-4CC0-89D3-BCD2A567CAC4}" srcId="{402010F1-D30C-4DCD-A68D-75D7C518A980}" destId="{E8AA8411-EB80-4A75-AE9F-E4EA5E7AFC62}" srcOrd="0" destOrd="0" parTransId="{28FE3806-DAFB-4227-94D3-5FE25FA74D9B}" sibTransId="{0D7278EE-6D36-4C23-99F9-4A765DED346E}"/>
     <dgm:cxn modelId="{656B2727-50CF-4977-95E7-2DD2AE8F8BB9}" type="presOf" srcId="{9A8BA97E-AB5A-41B9-A507-2E3EDB62BEA7}" destId="{F3D1717D-0D98-46FA-A721-1734886D703F}" srcOrd="1" destOrd="0" presId="urn:microsoft.com/office/officeart/2005/8/layout/vProcess5"/>
     <dgm:cxn modelId="{7EABE08D-ACE7-4394-8D0D-E391407045EA}" type="presOf" srcId="{FD3706A6-C8BD-4E30-AAD3-D570CAE0318A}" destId="{CE1F51A2-9340-4834-AA08-06246BDE3407}" srcOrd="1" destOrd="0" presId="urn:microsoft.com/office/officeart/2005/8/layout/vProcess5"/>
@@ -8343,7 +8343,7 @@
           <a:p>
             <a:fld id="{B8C7B251-3349-4913-B8F4-DE582B7267FE}" type="datetimeFigureOut">
               <a:rPr lang="en-US" smtClean="0"/>
-              <a:t>3/7/2023</a:t>
+              <a:t>5/2/2023</a:t>
             </a:fld>
             <a:endParaRPr lang="en-US"/>
           </a:p>
@@ -8836,7 +8836,7 @@
           <a:p>
             <a:fld id="{21CACB55-5347-437C-9029-74D87C2312E4}" type="datetimeFigureOut">
               <a:rPr lang="en-US" smtClean="0"/>
-              <a:t>3/7/2023</a:t>
+              <a:t>5/2/2023</a:t>
             </a:fld>
             <a:endParaRPr lang="en-US"/>
           </a:p>
@@ -9044,7 +9044,7 @@
           <a:p>
             <a:fld id="{21CACB55-5347-437C-9029-74D87C2312E4}" type="datetimeFigureOut">
               <a:rPr lang="en-US" smtClean="0"/>
-              <a:t>3/7/2023</a:t>
+              <a:t>5/2/2023</a:t>
             </a:fld>
             <a:endParaRPr lang="en-US"/>
           </a:p>
@@ -9300,7 +9300,7 @@
           <a:p>
             <a:fld id="{21CACB55-5347-437C-9029-74D87C2312E4}" type="datetimeFigureOut">
               <a:rPr lang="en-US" smtClean="0"/>
-              <a:t>3/7/2023</a:t>
+              <a:t>5/2/2023</a:t>
             </a:fld>
             <a:endParaRPr lang="en-US"/>
           </a:p>
@@ -9474,7 +9474,7 @@
           <a:p>
             <a:fld id="{21CACB55-5347-437C-9029-74D87C2312E4}" type="datetimeFigureOut">
               <a:rPr lang="en-US" smtClean="0"/>
-              <a:t>3/7/2023</a:t>
+              <a:t>5/2/2023</a:t>
             </a:fld>
             <a:endParaRPr lang="en-US"/>
           </a:p>
@@ -9817,7 +9817,7 @@
           <a:p>
             <a:fld id="{21CACB55-5347-437C-9029-74D87C2312E4}" type="datetimeFigureOut">
               <a:rPr lang="en-US" smtClean="0"/>
-              <a:t>3/7/2023</a:t>
+              <a:t>5/2/2023</a:t>
             </a:fld>
             <a:endParaRPr lang="en-US"/>
           </a:p>
@@ -10092,7 +10092,7 @@
           <a:p>
             <a:fld id="{21CACB55-5347-437C-9029-74D87C2312E4}" type="datetimeFigureOut">
               <a:rPr lang="en-US" smtClean="0"/>
-              <a:t>3/7/2023</a:t>
+              <a:t>5/2/2023</a:t>
             </a:fld>
             <a:endParaRPr lang="en-US"/>
           </a:p>
@@ -10471,7 +10471,7 @@
           <a:p>
             <a:fld id="{21CACB55-5347-437C-9029-74D87C2312E4}" type="datetimeFigureOut">
               <a:rPr lang="en-US" smtClean="0"/>
-              <a:t>3/7/2023</a:t>
+              <a:t>5/2/2023</a:t>
             </a:fld>
             <a:endParaRPr lang="en-US"/>
           </a:p>
@@ -10589,7 +10589,7 @@
           <a:p>
             <a:fld id="{21CACB55-5347-437C-9029-74D87C2312E4}" type="datetimeFigureOut">
               <a:rPr lang="en-US" smtClean="0"/>
-              <a:t>3/7/2023</a:t>
+              <a:t>5/2/2023</a:t>
             </a:fld>
             <a:endParaRPr lang="en-US"/>
           </a:p>
@@ -10760,7 +10760,7 @@
           <a:p>
             <a:fld id="{21CACB55-5347-437C-9029-74D87C2312E4}" type="datetimeFigureOut">
               <a:rPr lang="en-US" smtClean="0"/>
-              <a:t>3/7/2023</a:t>
+              <a:t>5/2/2023</a:t>
             </a:fld>
             <a:endParaRPr lang="en-US"/>
           </a:p>
@@ -11114,7 +11114,7 @@
           <a:p>
             <a:fld id="{21CACB55-5347-437C-9029-74D87C2312E4}" type="datetimeFigureOut">
               <a:rPr lang="en-US" smtClean="0"/>
-              <a:t>3/7/2023</a:t>
+              <a:t>5/2/2023</a:t>
             </a:fld>
             <a:endParaRPr lang="en-US"/>
           </a:p>
@@ -11496,7 +11496,7 @@
           <a:p>
             <a:fld id="{21CACB55-5347-437C-9029-74D87C2312E4}" type="datetimeFigureOut">
               <a:rPr lang="en-US" smtClean="0"/>
-              <a:t>3/7/2023</a:t>
+              <a:t>5/2/2023</a:t>
             </a:fld>
             <a:endParaRPr lang="en-US"/>
           </a:p>
@@ -11783,7 +11783,7 @@
           <a:p>
             <a:fld id="{21CACB55-5347-437C-9029-74D87C2312E4}" type="datetimeFigureOut">
               <a:rPr lang="en-US" smtClean="0"/>
-              <a:t>3/7/2023</a:t>
+              <a:t>5/2/2023</a:t>
             </a:fld>
             <a:endParaRPr lang="en-US"/>
           </a:p>
@@ -14840,53 +14840,6 @@
           </p:style>
         </p:cxnSp>
       </p:grpSp>
-      <p:pic>
-        <p:nvPicPr>
-          <p:cNvPr id="11" name="Picture 2" descr="main.JPG (480×556)">
-            <a:extLst>
-              <a:ext uri="{FF2B5EF4-FFF2-40B4-BE49-F238E27FC236}">
-                <a16:creationId xmlns:a16="http://schemas.microsoft.com/office/drawing/2014/main" id="{4BB69175-2F4B-E5D0-2F0C-FC9FB7861D93}"/>
-              </a:ext>
-            </a:extLst>
-          </p:cNvPr>
-          <p:cNvPicPr>
-            <a:picLocks noChangeAspect="1" noChangeArrowheads="1"/>
-          </p:cNvPicPr>
-          <p:nvPr/>
-        </p:nvPicPr>
-        <p:blipFill>
-          <a:blip r:embed="rId7">
-            <a:extLst>
-              <a:ext uri="{28A0092B-C50C-407E-A947-70E740481C1C}">
-                <a14:useLocalDpi xmlns:a14="http://schemas.microsoft.com/office/drawing/2010/main" val="0"/>
-              </a:ext>
-            </a:extLst>
-          </a:blip>
-          <a:srcRect/>
-          <a:stretch>
-            <a:fillRect/>
-          </a:stretch>
-        </p:blipFill>
-        <p:spPr bwMode="auto">
-          <a:xfrm>
-            <a:off x="426501" y="2994843"/>
-            <a:ext cx="3187085" cy="3691707"/>
-          </a:xfrm>
-          <a:prstGeom prst="rect">
-            <a:avLst/>
-          </a:prstGeom>
-          <a:noFill/>
-          <a:extLst>
-            <a:ext uri="{909E8E84-426E-40DD-AFC4-6F175D3DCCD1}">
-              <a14:hiddenFill xmlns:a14="http://schemas.microsoft.com/office/drawing/2010/main">
-                <a:solidFill>
-                  <a:srgbClr val="FFFFFF"/>
-                </a:solidFill>
-              </a14:hiddenFill>
-            </a:ext>
-          </a:extLst>
-        </p:spPr>
-      </p:pic>
     </p:spTree>
     <p:extLst>
       <p:ext uri="{BB962C8B-B14F-4D97-AF65-F5344CB8AC3E}">
@@ -15231,11 +15184,18 @@
               <a:buChar char="§"/>
             </a:pPr>
             <a:r>
+              <a:rPr lang="en-US" b="0" i="0" dirty="0" smtClean="0">
+                <a:effectLst/>
+                <a:latin typeface="Helvetica" panose="020B0604020202020204" pitchFamily="34" charset="0"/>
+              </a:rPr>
+              <a:t>PYQT6  </a:t>
+            </a:r>
+            <a:r>
               <a:rPr lang="en-US" b="0" i="0" dirty="0">
                 <a:effectLst/>
                 <a:latin typeface="Helvetica" panose="020B0604020202020204" pitchFamily="34" charset="0"/>
               </a:rPr>
-              <a:t> PYQT6  - Python GUI packages</a:t>
+              <a:t>- Python GUI packages</a:t>
             </a:r>
           </a:p>
           <a:p>
@@ -15244,22 +15204,22 @@
               <a:buChar char="§"/>
             </a:pPr>
             <a:r>
-              <a:rPr lang="en-US" dirty="0">
+              <a:rPr lang="en-US" dirty="0" err="1" smtClean="0">
+                <a:latin typeface="Helvetica" panose="020B0604020202020204" pitchFamily="34" charset="0"/>
+              </a:rPr>
+              <a:t>Dataprofiler</a:t>
+            </a:r>
+            <a:r>
+              <a:rPr lang="en-US" dirty="0" smtClean="0">
                 <a:latin typeface="Helvetica" panose="020B0604020202020204" pitchFamily="34" charset="0"/>
               </a:rPr>
               <a:t> </a:t>
             </a:r>
             <a:r>
-              <a:rPr lang="en-US" dirty="0" err="1">
-                <a:latin typeface="Helvetica" panose="020B0604020202020204" pitchFamily="34" charset="0"/>
-              </a:rPr>
-              <a:t>Dataprofiler</a:t>
-            </a:r>
-            <a:r>
               <a:rPr lang="en-US" dirty="0">
                 <a:latin typeface="Helvetica" panose="020B0604020202020204" pitchFamily="34" charset="0"/>
               </a:rPr>
-              <a:t> – Data statistics collection</a:t>
+              <a:t>– Data statistics collection</a:t>
             </a:r>
             <a:endParaRPr lang="en-US" b="0" i="0" dirty="0">
               <a:effectLst/>
@@ -15272,25 +15232,25 @@
               <a:buChar char="§"/>
             </a:pPr>
             <a:r>
-              <a:rPr lang="en-US" b="0" i="0" dirty="0">
+              <a:rPr lang="en-US" b="0" i="0" dirty="0" err="1" smtClean="0">
+                <a:effectLst/>
+                <a:latin typeface="Helvetica" panose="020B0604020202020204" pitchFamily="34" charset="0"/>
+              </a:rPr>
+              <a:t>gboost</a:t>
+            </a:r>
+            <a:r>
+              <a:rPr lang="en-US" b="0" i="0" dirty="0" smtClean="0">
                 <a:effectLst/>
                 <a:latin typeface="Helvetica" panose="020B0604020202020204" pitchFamily="34" charset="0"/>
               </a:rPr>
               <a:t> </a:t>
             </a:r>
             <a:r>
-              <a:rPr lang="en-US" b="0" i="0" dirty="0" err="1">
-                <a:effectLst/>
-                <a:latin typeface="Helvetica" panose="020B0604020202020204" pitchFamily="34" charset="0"/>
-              </a:rPr>
-              <a:t>Xgboost</a:t>
-            </a:r>
-            <a:r>
               <a:rPr lang="en-US" b="0" i="0" dirty="0">
                 <a:effectLst/>
                 <a:latin typeface="Helvetica" panose="020B0604020202020204" pitchFamily="34" charset="0"/>
               </a:rPr>
-              <a:t> – Machine learning Library</a:t>
+              <a:t>– Machine learning Library</a:t>
             </a:r>
           </a:p>
           <a:p>
@@ -15299,22 +15259,22 @@
               <a:buChar char="§"/>
             </a:pPr>
             <a:r>
-              <a:rPr lang="en-US" dirty="0">
+              <a:rPr lang="en-US" dirty="0" err="1" smtClean="0">
+                <a:latin typeface="Helvetica" panose="020B0604020202020204" pitchFamily="34" charset="0"/>
+              </a:rPr>
+              <a:t>Sqlalchemy</a:t>
+            </a:r>
+            <a:r>
+              <a:rPr lang="en-US" dirty="0" smtClean="0">
                 <a:latin typeface="Helvetica" panose="020B0604020202020204" pitchFamily="34" charset="0"/>
               </a:rPr>
               <a:t> </a:t>
             </a:r>
             <a:r>
-              <a:rPr lang="en-US" dirty="0" err="1">
-                <a:latin typeface="Helvetica" panose="020B0604020202020204" pitchFamily="34" charset="0"/>
-              </a:rPr>
-              <a:t>Sqlalchemy</a:t>
-            </a:r>
-            <a:r>
               <a:rPr lang="en-US" dirty="0">
                 <a:latin typeface="Helvetica" panose="020B0604020202020204" pitchFamily="34" charset="0"/>
               </a:rPr>
-              <a:t> – Python SQL toolkit and Object Relational Mapper for Database connection </a:t>
+              <a:t>– Python SQL toolkit and Object Relational Mapper for Database connection </a:t>
             </a:r>
           </a:p>
           <a:p>
@@ -15325,6 +15285,47 @@
               <a:effectLst/>
               <a:latin typeface="Helvetica" panose="020B0604020202020204" pitchFamily="34" charset="0"/>
             </a:endParaRPr>
+          </a:p>
+        </p:txBody>
+      </p:sp>
+      <p:sp>
+        <p:nvSpPr>
+          <p:cNvPr id="3" name="Rectangle 2"/>
+          <p:cNvSpPr/>
+          <p:nvPr/>
+        </p:nvSpPr>
+        <p:spPr>
+          <a:xfrm>
+            <a:off x="4742016" y="5352646"/>
+            <a:ext cx="6096000" cy="338554"/>
+          </a:xfrm>
+          <a:prstGeom prst="rect">
+            <a:avLst/>
+          </a:prstGeom>
+        </p:spPr>
+        <p:txBody>
+          <a:bodyPr>
+            <a:spAutoFit/>
+          </a:bodyPr>
+          <a:lstStyle/>
+          <a:p>
+            <a:pPr marL="201168" lvl="1" indent="0">
+              <a:buNone/>
+            </a:pPr>
+            <a:r>
+              <a:rPr lang="en-US" sz="1600" dirty="0"/>
+              <a:t>Please refer to </a:t>
+            </a:r>
+            <a:r>
+              <a:rPr lang="en-US" sz="1600" dirty="0">
+                <a:hlinkClick r:id="rId2"/>
+              </a:rPr>
+              <a:t>https://github.com/chorus-ai/ChoRUS_Privacy_Scan</a:t>
+            </a:r>
+            <a:r>
+              <a:rPr lang="en-US" sz="1600" dirty="0"/>
+              <a:t> </a:t>
+            </a:r>
           </a:p>
         </p:txBody>
       </p:sp>
@@ -15812,6 +15813,56 @@
           </a:prstGeom>
         </p:spPr>
       </p:pic>
+      <p:sp>
+        <p:nvSpPr>
+          <p:cNvPr id="3" name="Rectangle 2"/>
+          <p:cNvSpPr/>
+          <p:nvPr/>
+        </p:nvSpPr>
+        <p:spPr>
+          <a:xfrm>
+            <a:off x="37481" y="5828217"/>
+            <a:ext cx="8206446" cy="461665"/>
+          </a:xfrm>
+          <a:prstGeom prst="rect">
+            <a:avLst/>
+          </a:prstGeom>
+        </p:spPr>
+        <p:txBody>
+          <a:bodyPr wrap="square">
+            <a:spAutoFit/>
+          </a:bodyPr>
+          <a:lstStyle/>
+          <a:p>
+            <a:r>
+              <a:rPr lang="en-US" sz="1200" dirty="0" smtClean="0"/>
+              <a:t>Detail user instructions can be found at </a:t>
+            </a:r>
+            <a:r>
+              <a:rPr lang="en-US" sz="1200" dirty="0" smtClean="0">
+                <a:hlinkClick r:id="rId8"/>
+              </a:rPr>
+              <a:t>https</a:t>
+            </a:r>
+            <a:r>
+              <a:rPr lang="en-US" sz="1200" dirty="0">
+                <a:hlinkClick r:id="rId8"/>
+              </a:rPr>
+              <a:t>://</a:t>
+            </a:r>
+            <a:r>
+              <a:rPr lang="en-US" sz="1200" dirty="0" smtClean="0">
+                <a:hlinkClick r:id="rId8"/>
+              </a:rPr>
+              <a:t>github.com/chorus-ai/ChoRUS_Privacy_Scan/blob/main/User_Instruction.md</a:t>
+            </a:r>
+            <a:endParaRPr lang="en-US" sz="1200" dirty="0" smtClean="0"/>
+          </a:p>
+          <a:p>
+            <a:endParaRPr lang="en-US" sz="1200" dirty="0"/>
+          </a:p>
+        </p:txBody>
+      </p:sp>
     </p:spTree>
     <p:extLst>
       <p:ext uri="{BB962C8B-B14F-4D97-AF65-F5344CB8AC3E}">
